--- a/Latex/ppts/section4.pptx
+++ b/Latex/ppts/section4.pptx
@@ -243,7 +243,7 @@
           <a:p>
             <a:fld id="{82C42CC5-A6B0-F34F-AA4C-A616FF3CE3B4}" type="datetimeFigureOut">
               <a:rPr lang="en-US" smtClean="0"/>
-              <a:t>6/7/18</a:t>
+              <a:t>6/12/18</a:t>
             </a:fld>
             <a:endParaRPr lang="en-US"/>
           </a:p>
@@ -413,7 +413,7 @@
           <a:p>
             <a:fld id="{82C42CC5-A6B0-F34F-AA4C-A616FF3CE3B4}" type="datetimeFigureOut">
               <a:rPr lang="en-US" smtClean="0"/>
-              <a:t>6/7/18</a:t>
+              <a:t>6/12/18</a:t>
             </a:fld>
             <a:endParaRPr lang="en-US"/>
           </a:p>
@@ -593,7 +593,7 @@
           <a:p>
             <a:fld id="{82C42CC5-A6B0-F34F-AA4C-A616FF3CE3B4}" type="datetimeFigureOut">
               <a:rPr lang="en-US" smtClean="0"/>
-              <a:t>6/7/18</a:t>
+              <a:t>6/12/18</a:t>
             </a:fld>
             <a:endParaRPr lang="en-US"/>
           </a:p>
@@ -763,7 +763,7 @@
           <a:p>
             <a:fld id="{82C42CC5-A6B0-F34F-AA4C-A616FF3CE3B4}" type="datetimeFigureOut">
               <a:rPr lang="en-US" smtClean="0"/>
-              <a:t>6/7/18</a:t>
+              <a:t>6/12/18</a:t>
             </a:fld>
             <a:endParaRPr lang="en-US"/>
           </a:p>
@@ -1009,7 +1009,7 @@
           <a:p>
             <a:fld id="{82C42CC5-A6B0-F34F-AA4C-A616FF3CE3B4}" type="datetimeFigureOut">
               <a:rPr lang="en-US" smtClean="0"/>
-              <a:t>6/7/18</a:t>
+              <a:t>6/12/18</a:t>
             </a:fld>
             <a:endParaRPr lang="en-US"/>
           </a:p>
@@ -1241,7 +1241,7 @@
           <a:p>
             <a:fld id="{82C42CC5-A6B0-F34F-AA4C-A616FF3CE3B4}" type="datetimeFigureOut">
               <a:rPr lang="en-US" smtClean="0"/>
-              <a:t>6/7/18</a:t>
+              <a:t>6/12/18</a:t>
             </a:fld>
             <a:endParaRPr lang="en-US"/>
           </a:p>
@@ -1608,7 +1608,7 @@
           <a:p>
             <a:fld id="{82C42CC5-A6B0-F34F-AA4C-A616FF3CE3B4}" type="datetimeFigureOut">
               <a:rPr lang="en-US" smtClean="0"/>
-              <a:t>6/7/18</a:t>
+              <a:t>6/12/18</a:t>
             </a:fld>
             <a:endParaRPr lang="en-US"/>
           </a:p>
@@ -1726,7 +1726,7 @@
           <a:p>
             <a:fld id="{82C42CC5-A6B0-F34F-AA4C-A616FF3CE3B4}" type="datetimeFigureOut">
               <a:rPr lang="en-US" smtClean="0"/>
-              <a:t>6/7/18</a:t>
+              <a:t>6/12/18</a:t>
             </a:fld>
             <a:endParaRPr lang="en-US"/>
           </a:p>
@@ -1821,7 +1821,7 @@
           <a:p>
             <a:fld id="{82C42CC5-A6B0-F34F-AA4C-A616FF3CE3B4}" type="datetimeFigureOut">
               <a:rPr lang="en-US" smtClean="0"/>
-              <a:t>6/7/18</a:t>
+              <a:t>6/12/18</a:t>
             </a:fld>
             <a:endParaRPr lang="en-US"/>
           </a:p>
@@ -2098,7 +2098,7 @@
           <a:p>
             <a:fld id="{82C42CC5-A6B0-F34F-AA4C-A616FF3CE3B4}" type="datetimeFigureOut">
               <a:rPr lang="en-US" smtClean="0"/>
-              <a:t>6/7/18</a:t>
+              <a:t>6/12/18</a:t>
             </a:fld>
             <a:endParaRPr lang="en-US"/>
           </a:p>
@@ -2351,7 +2351,7 @@
           <a:p>
             <a:fld id="{82C42CC5-A6B0-F34F-AA4C-A616FF3CE3B4}" type="datetimeFigureOut">
               <a:rPr lang="en-US" smtClean="0"/>
-              <a:t>6/7/18</a:t>
+              <a:t>6/12/18</a:t>
             </a:fld>
             <a:endParaRPr lang="en-US"/>
           </a:p>
@@ -2564,7 +2564,7 @@
           <a:p>
             <a:fld id="{82C42CC5-A6B0-F34F-AA4C-A616FF3CE3B4}" type="datetimeFigureOut">
               <a:rPr lang="en-US" smtClean="0"/>
-              <a:t>6/7/18</a:t>
+              <a:t>6/12/18</a:t>
             </a:fld>
             <a:endParaRPr lang="en-US"/>
           </a:p>
@@ -2977,7 +2977,7 @@
         </p:nvSpPr>
         <p:spPr>
           <a:xfrm>
-            <a:off x="5173065" y="4749996"/>
+            <a:off x="5185765" y="4114996"/>
             <a:ext cx="1358176" cy="481897"/>
           </a:xfrm>
           <a:prstGeom prst="rect">
@@ -3017,7 +3017,7 @@
         </p:nvSpPr>
         <p:spPr>
           <a:xfrm>
-            <a:off x="5173065" y="4079660"/>
+            <a:off x="5185765" y="3444660"/>
             <a:ext cx="1358176" cy="481897"/>
           </a:xfrm>
           <a:prstGeom prst="rect">
@@ -3057,7 +3057,7 @@
         </p:nvSpPr>
         <p:spPr>
           <a:xfrm>
-            <a:off x="5173065" y="3410362"/>
+            <a:off x="5185765" y="2775362"/>
             <a:ext cx="1358176" cy="480902"/>
           </a:xfrm>
           <a:prstGeom prst="rect">
@@ -3097,7 +3097,7 @@
         </p:nvSpPr>
         <p:spPr>
           <a:xfrm>
-            <a:off x="5173065" y="2740026"/>
+            <a:off x="5185765" y="2105026"/>
             <a:ext cx="1358176" cy="481897"/>
           </a:xfrm>
           <a:prstGeom prst="rect">
@@ -3143,7 +3143,7 @@
         </p:nvCxnSpPr>
         <p:spPr>
           <a:xfrm>
-            <a:off x="5852153" y="3891264"/>
+            <a:off x="5864853" y="3256264"/>
             <a:ext cx="0" cy="188396"/>
           </a:xfrm>
           <a:prstGeom prst="line">
@@ -3178,7 +3178,7 @@
         </p:nvCxnSpPr>
         <p:spPr>
           <a:xfrm>
-            <a:off x="5852153" y="4561557"/>
+            <a:off x="5864853" y="3926557"/>
             <a:ext cx="0" cy="188439"/>
           </a:xfrm>
           <a:prstGeom prst="line">
@@ -3213,7 +3213,7 @@
         </p:nvSpPr>
         <p:spPr>
           <a:xfrm>
-            <a:off x="5266512" y="2747163"/>
+            <a:off x="5279212" y="2112163"/>
             <a:ext cx="1171283" cy="461665"/>
           </a:xfrm>
           <a:prstGeom prst="rect">
@@ -3251,7 +3251,7 @@
         </p:nvSpPr>
         <p:spPr>
           <a:xfrm>
-            <a:off x="5266512" y="3437462"/>
+            <a:off x="5279212" y="2802462"/>
             <a:ext cx="1171283" cy="461665"/>
           </a:xfrm>
           <a:prstGeom prst="rect">
@@ -3289,7 +3289,7 @@
         </p:nvSpPr>
         <p:spPr>
           <a:xfrm>
-            <a:off x="5266512" y="4088744"/>
+            <a:off x="5279212" y="3453744"/>
             <a:ext cx="1171283" cy="461665"/>
           </a:xfrm>
           <a:prstGeom prst="rect">
@@ -3327,7 +3327,7 @@
         </p:nvSpPr>
         <p:spPr>
           <a:xfrm>
-            <a:off x="5266512" y="4753281"/>
+            <a:off x="5279212" y="4118281"/>
             <a:ext cx="1171283" cy="461665"/>
           </a:xfrm>
           <a:prstGeom prst="rect">
@@ -3365,7 +3365,7 @@
         </p:nvSpPr>
         <p:spPr>
           <a:xfrm>
-            <a:off x="5173065" y="2069690"/>
+            <a:off x="5185765" y="1434690"/>
             <a:ext cx="1358176" cy="481897"/>
           </a:xfrm>
           <a:prstGeom prst="rect">
@@ -3373,7 +3373,7 @@
           </a:prstGeom>
           <a:solidFill>
             <a:schemeClr val="bg1">
-              <a:lumMod val="65000"/>
+              <a:lumMod val="85000"/>
             </a:schemeClr>
           </a:solidFill>
         </p:spPr>
@@ -3410,8 +3410,8 @@
         </p:nvSpPr>
         <p:spPr>
           <a:xfrm>
-            <a:off x="5266512" y="2158430"/>
-            <a:ext cx="1171283" cy="276999"/>
+            <a:off x="5279212" y="1462785"/>
+            <a:ext cx="1171283" cy="461665"/>
           </a:xfrm>
           <a:prstGeom prst="rect">
             <a:avLst/>
@@ -3426,6 +3426,14 @@
           <a:p>
             <a:pPr algn="ctr"/>
             <a:r>
+              <a:rPr lang="en-US" sz="1200" smtClean="0"/>
+              <a:t>Output Image</a:t>
+            </a:r>
+            <a:endParaRPr lang="en-US" sz="1200" smtClean="0"/>
+          </a:p>
+          <a:p>
+            <a:pPr algn="ctr"/>
+            <a:r>
               <a:rPr lang="en-US" sz="1200" dirty="0" smtClean="0"/>
               <a:t>15x15x512</a:t>
             </a:r>
@@ -3441,7 +3449,7 @@
         </p:nvSpPr>
         <p:spPr>
           <a:xfrm>
-            <a:off x="5173065" y="5420289"/>
+            <a:off x="5185765" y="5445864"/>
             <a:ext cx="1358176" cy="481897"/>
           </a:xfrm>
           <a:prstGeom prst="rect">
@@ -3449,7 +3457,7 @@
           </a:prstGeom>
           <a:solidFill>
             <a:schemeClr val="bg1">
-              <a:lumMod val="65000"/>
+              <a:lumMod val="85000"/>
             </a:schemeClr>
           </a:solidFill>
         </p:spPr>
@@ -3486,8 +3494,8 @@
         </p:nvSpPr>
         <p:spPr>
           <a:xfrm>
-            <a:off x="5266512" y="5509029"/>
-            <a:ext cx="1171283" cy="276999"/>
+            <a:off x="5279211" y="5455980"/>
+            <a:ext cx="1171283" cy="461665"/>
           </a:xfrm>
           <a:prstGeom prst="rect">
             <a:avLst/>
@@ -3502,6 +3510,13 @@
           <a:p>
             <a:pPr algn="ctr"/>
             <a:r>
+              <a:rPr lang="en-US" sz="1200" smtClean="0"/>
+              <a:t>Input Image</a:t>
+            </a:r>
+          </a:p>
+          <a:p>
+            <a:pPr algn="ctr"/>
+            <a:r>
               <a:rPr lang="en-US" sz="1200" dirty="0" smtClean="0"/>
               <a:t>30x30x128</a:t>
             </a:r>
@@ -3511,51 +3526,13 @@
       </p:sp>
       <p:cxnSp>
         <p:nvCxnSpPr>
-          <p:cNvPr id="22" name="Straight Connector 21"/>
+          <p:cNvPr id="27" name="Straight Connector 26"/>
           <p:cNvCxnSpPr/>
           <p:nvPr/>
         </p:nvCxnSpPr>
         <p:spPr>
           <a:xfrm>
-            <a:off x="5852153" y="5231893"/>
-            <a:ext cx="0" cy="188396"/>
-          </a:xfrm>
-          <a:prstGeom prst="line">
-            <a:avLst/>
-          </a:prstGeom>
-          <a:ln w="31750">
-            <a:solidFill>
-              <a:schemeClr val="tx1"/>
-            </a:solidFill>
-          </a:ln>
-        </p:spPr>
-        <p:style>
-          <a:lnRef idx="1">
-            <a:schemeClr val="accent1"/>
-          </a:lnRef>
-          <a:fillRef idx="0">
-            <a:schemeClr val="accent1"/>
-          </a:fillRef>
-          <a:effectRef idx="0">
-            <a:schemeClr val="accent1"/>
-          </a:effectRef>
-          <a:fontRef idx="minor">
-            <a:schemeClr val="tx1"/>
-          </a:fontRef>
-        </p:style>
-      </p:cxnSp>
-      <p:cxnSp>
-        <p:nvCxnSpPr>
-          <p:cNvPr id="27" name="Straight Connector 26"/>
-          <p:cNvCxnSpPr>
-            <a:stCxn id="8" idx="2"/>
-            <a:endCxn id="14" idx="0"/>
-          </p:cNvCxnSpPr>
-          <p:nvPr/>
-        </p:nvCxnSpPr>
-        <p:spPr>
-          <a:xfrm>
-            <a:off x="5852153" y="3221923"/>
+            <a:off x="5864853" y="2586923"/>
             <a:ext cx="1" cy="215539"/>
           </a:xfrm>
           <a:prstGeom prst="line">
@@ -3580,15 +3557,12 @@
       <p:cxnSp>
         <p:nvCxnSpPr>
           <p:cNvPr id="29" name="Straight Connector 28"/>
-          <p:cNvCxnSpPr>
-            <a:stCxn id="17" idx="2"/>
-            <a:endCxn id="12" idx="0"/>
-          </p:cNvCxnSpPr>
+          <p:cNvCxnSpPr/>
           <p:nvPr/>
         </p:nvCxnSpPr>
         <p:spPr>
           <a:xfrm>
-            <a:off x="5852153" y="2551587"/>
+            <a:off x="5864853" y="1916587"/>
             <a:ext cx="1" cy="195576"/>
           </a:xfrm>
           <a:prstGeom prst="line">
@@ -3641,6 +3615,160 @@
           </a:p>
         </p:txBody>
       </p:sp>
+      <p:sp>
+        <p:nvSpPr>
+          <p:cNvPr id="23" name="Rectangle 22"/>
+          <p:cNvSpPr/>
+          <p:nvPr/>
+        </p:nvSpPr>
+        <p:spPr>
+          <a:xfrm>
+            <a:off x="5185765" y="4780430"/>
+            <a:ext cx="1358176" cy="481897"/>
+          </a:xfrm>
+          <a:prstGeom prst="rect">
+            <a:avLst/>
+          </a:prstGeom>
+        </p:spPr>
+        <p:style>
+          <a:lnRef idx="2">
+            <a:schemeClr val="accent1">
+              <a:shade val="50000"/>
+            </a:schemeClr>
+          </a:lnRef>
+          <a:fillRef idx="1">
+            <a:schemeClr val="accent1"/>
+          </a:fillRef>
+          <a:effectRef idx="0">
+            <a:schemeClr val="accent1"/>
+          </a:effectRef>
+          <a:fontRef idx="minor">
+            <a:schemeClr val="lt1"/>
+          </a:fontRef>
+        </p:style>
+        <p:txBody>
+          <a:bodyPr rtlCol="0" anchor="ctr"/>
+          <a:lstStyle/>
+          <a:p>
+            <a:pPr algn="ctr"/>
+            <a:endParaRPr lang="en-US"/>
+          </a:p>
+        </p:txBody>
+      </p:sp>
+      <p:sp>
+        <p:nvSpPr>
+          <p:cNvPr id="24" name="TextBox 23"/>
+          <p:cNvSpPr txBox="1"/>
+          <p:nvPr/>
+        </p:nvSpPr>
+        <p:spPr>
+          <a:xfrm>
+            <a:off x="5279212" y="4800753"/>
+            <a:ext cx="1171283" cy="461665"/>
+          </a:xfrm>
+          <a:prstGeom prst="rect">
+            <a:avLst/>
+          </a:prstGeom>
+          <a:noFill/>
+        </p:spPr>
+        <p:txBody>
+          <a:bodyPr wrap="square" rtlCol="0">
+            <a:spAutoFit/>
+          </a:bodyPr>
+          <a:lstStyle/>
+          <a:p>
+            <a:pPr algn="ctr"/>
+            <a:r>
+              <a:rPr lang="en-US" sz="1200" dirty="0" smtClean="0"/>
+              <a:t>128 filters</a:t>
+            </a:r>
+          </a:p>
+          <a:p>
+            <a:pPr algn="ctr"/>
+            <a:r>
+              <a:rPr lang="en-US" sz="1200" dirty="0" smtClean="0"/>
+              <a:t>1x1 Conv</a:t>
+            </a:r>
+            <a:endParaRPr lang="en-US" sz="1200" dirty="0"/>
+          </a:p>
+        </p:txBody>
+      </p:sp>
+      <p:cxnSp>
+        <p:nvCxnSpPr>
+          <p:cNvPr id="7" name="Straight Connector 6"/>
+          <p:cNvCxnSpPr>
+            <a:stCxn id="24" idx="0"/>
+            <a:endCxn id="4" idx="2"/>
+          </p:cNvCxnSpPr>
+          <p:nvPr/>
+        </p:nvCxnSpPr>
+        <p:spPr>
+          <a:xfrm flipH="1" flipV="1">
+            <a:off x="5864853" y="4596893"/>
+            <a:ext cx="1" cy="203860"/>
+          </a:xfrm>
+          <a:prstGeom prst="line">
+            <a:avLst/>
+          </a:prstGeom>
+          <a:ln w="31750">
+            <a:solidFill>
+              <a:schemeClr val="tx1"/>
+            </a:solidFill>
+          </a:ln>
+        </p:spPr>
+        <p:style>
+          <a:lnRef idx="1">
+            <a:schemeClr val="accent1"/>
+          </a:lnRef>
+          <a:fillRef idx="0">
+            <a:schemeClr val="accent1"/>
+          </a:fillRef>
+          <a:effectRef idx="0">
+            <a:schemeClr val="accent1"/>
+          </a:effectRef>
+          <a:fontRef idx="minor">
+            <a:schemeClr val="tx1"/>
+          </a:fontRef>
+        </p:style>
+      </p:cxnSp>
+      <p:cxnSp>
+        <p:nvCxnSpPr>
+          <p:cNvPr id="13" name="Straight Connector 12"/>
+          <p:cNvCxnSpPr>
+            <a:stCxn id="20" idx="0"/>
+            <a:endCxn id="23" idx="2"/>
+          </p:cNvCxnSpPr>
+          <p:nvPr/>
+        </p:nvCxnSpPr>
+        <p:spPr>
+          <a:xfrm flipV="1">
+            <a:off x="5864853" y="5262327"/>
+            <a:ext cx="0" cy="183537"/>
+          </a:xfrm>
+          <a:prstGeom prst="line">
+            <a:avLst/>
+          </a:prstGeom>
+          <a:ln w="31750">
+            <a:solidFill>
+              <a:schemeClr val="tx1"/>
+            </a:solidFill>
+          </a:ln>
+        </p:spPr>
+        <p:style>
+          <a:lnRef idx="1">
+            <a:schemeClr val="accent1"/>
+          </a:lnRef>
+          <a:fillRef idx="0">
+            <a:schemeClr val="accent1"/>
+          </a:fillRef>
+          <a:effectRef idx="0">
+            <a:schemeClr val="accent1"/>
+          </a:effectRef>
+          <a:fontRef idx="minor">
+            <a:schemeClr val="tx1"/>
+          </a:fontRef>
+        </p:style>
+      </p:cxnSp>
     </p:spTree>
     <p:extLst>
       <p:ext uri="{BB962C8B-B14F-4D97-AF65-F5344CB8AC3E}">

--- a/Latex/ppts/section4.pptx
+++ b/Latex/ppts/section4.pptx
@@ -243,7 +243,7 @@
           <a:p>
             <a:fld id="{82C42CC5-A6B0-F34F-AA4C-A616FF3CE3B4}" type="datetimeFigureOut">
               <a:rPr lang="en-US" smtClean="0"/>
-              <a:t>6/12/18</a:t>
+              <a:t>7/20/18</a:t>
             </a:fld>
             <a:endParaRPr lang="en-US"/>
           </a:p>
@@ -413,7 +413,7 @@
           <a:p>
             <a:fld id="{82C42CC5-A6B0-F34F-AA4C-A616FF3CE3B4}" type="datetimeFigureOut">
               <a:rPr lang="en-US" smtClean="0"/>
-              <a:t>6/12/18</a:t>
+              <a:t>7/20/18</a:t>
             </a:fld>
             <a:endParaRPr lang="en-US"/>
           </a:p>
@@ -593,7 +593,7 @@
           <a:p>
             <a:fld id="{82C42CC5-A6B0-F34F-AA4C-A616FF3CE3B4}" type="datetimeFigureOut">
               <a:rPr lang="en-US" smtClean="0"/>
-              <a:t>6/12/18</a:t>
+              <a:t>7/20/18</a:t>
             </a:fld>
             <a:endParaRPr lang="en-US"/>
           </a:p>
@@ -763,7 +763,7 @@
           <a:p>
             <a:fld id="{82C42CC5-A6B0-F34F-AA4C-A616FF3CE3B4}" type="datetimeFigureOut">
               <a:rPr lang="en-US" smtClean="0"/>
-              <a:t>6/12/18</a:t>
+              <a:t>7/20/18</a:t>
             </a:fld>
             <a:endParaRPr lang="en-US"/>
           </a:p>
@@ -1009,7 +1009,7 @@
           <a:p>
             <a:fld id="{82C42CC5-A6B0-F34F-AA4C-A616FF3CE3B4}" type="datetimeFigureOut">
               <a:rPr lang="en-US" smtClean="0"/>
-              <a:t>6/12/18</a:t>
+              <a:t>7/20/18</a:t>
             </a:fld>
             <a:endParaRPr lang="en-US"/>
           </a:p>
@@ -1241,7 +1241,7 @@
           <a:p>
             <a:fld id="{82C42CC5-A6B0-F34F-AA4C-A616FF3CE3B4}" type="datetimeFigureOut">
               <a:rPr lang="en-US" smtClean="0"/>
-              <a:t>6/12/18</a:t>
+              <a:t>7/20/18</a:t>
             </a:fld>
             <a:endParaRPr lang="en-US"/>
           </a:p>
@@ -1608,7 +1608,7 @@
           <a:p>
             <a:fld id="{82C42CC5-A6B0-F34F-AA4C-A616FF3CE3B4}" type="datetimeFigureOut">
               <a:rPr lang="en-US" smtClean="0"/>
-              <a:t>6/12/18</a:t>
+              <a:t>7/20/18</a:t>
             </a:fld>
             <a:endParaRPr lang="en-US"/>
           </a:p>
@@ -1726,7 +1726,7 @@
           <a:p>
             <a:fld id="{82C42CC5-A6B0-F34F-AA4C-A616FF3CE3B4}" type="datetimeFigureOut">
               <a:rPr lang="en-US" smtClean="0"/>
-              <a:t>6/12/18</a:t>
+              <a:t>7/20/18</a:t>
             </a:fld>
             <a:endParaRPr lang="en-US"/>
           </a:p>
@@ -1821,7 +1821,7 @@
           <a:p>
             <a:fld id="{82C42CC5-A6B0-F34F-AA4C-A616FF3CE3B4}" type="datetimeFigureOut">
               <a:rPr lang="en-US" smtClean="0"/>
-              <a:t>6/12/18</a:t>
+              <a:t>7/20/18</a:t>
             </a:fld>
             <a:endParaRPr lang="en-US"/>
           </a:p>
@@ -2098,7 +2098,7 @@
           <a:p>
             <a:fld id="{82C42CC5-A6B0-F34F-AA4C-A616FF3CE3B4}" type="datetimeFigureOut">
               <a:rPr lang="en-US" smtClean="0"/>
-              <a:t>6/12/18</a:t>
+              <a:t>7/20/18</a:t>
             </a:fld>
             <a:endParaRPr lang="en-US"/>
           </a:p>
@@ -2351,7 +2351,7 @@
           <a:p>
             <a:fld id="{82C42CC5-A6B0-F34F-AA4C-A616FF3CE3B4}" type="datetimeFigureOut">
               <a:rPr lang="en-US" smtClean="0"/>
-              <a:t>6/12/18</a:t>
+              <a:t>7/20/18</a:t>
             </a:fld>
             <a:endParaRPr lang="en-US"/>
           </a:p>
@@ -2564,7 +2564,7 @@
           <a:p>
             <a:fld id="{82C42CC5-A6B0-F34F-AA4C-A616FF3CE3B4}" type="datetimeFigureOut">
               <a:rPr lang="en-US" smtClean="0"/>
-              <a:t>6/12/18</a:t>
+              <a:t>7/20/18</a:t>
             </a:fld>
             <a:endParaRPr lang="en-US"/>
           </a:p>
@@ -2977,7 +2977,7 @@
         </p:nvSpPr>
         <p:spPr>
           <a:xfrm>
-            <a:off x="5185765" y="4114996"/>
+            <a:off x="4431162" y="4114996"/>
             <a:ext cx="1358176" cy="481897"/>
           </a:xfrm>
           <a:prstGeom prst="rect">
@@ -3017,7 +3017,7 @@
         </p:nvSpPr>
         <p:spPr>
           <a:xfrm>
-            <a:off x="5185765" y="3444660"/>
+            <a:off x="4431162" y="3444660"/>
             <a:ext cx="1358176" cy="481897"/>
           </a:xfrm>
           <a:prstGeom prst="rect">
@@ -3057,7 +3057,7 @@
         </p:nvSpPr>
         <p:spPr>
           <a:xfrm>
-            <a:off x="5185765" y="2775362"/>
+            <a:off x="4431162" y="2775362"/>
             <a:ext cx="1358176" cy="480902"/>
           </a:xfrm>
           <a:prstGeom prst="rect">
@@ -3097,7 +3097,7 @@
         </p:nvSpPr>
         <p:spPr>
           <a:xfrm>
-            <a:off x="5185765" y="2105026"/>
+            <a:off x="4431162" y="2105026"/>
             <a:ext cx="1358176" cy="481897"/>
           </a:xfrm>
           <a:prstGeom prst="rect">
@@ -3143,7 +3143,7 @@
         </p:nvCxnSpPr>
         <p:spPr>
           <a:xfrm>
-            <a:off x="5864853" y="3256264"/>
+            <a:off x="5110250" y="3256264"/>
             <a:ext cx="0" cy="188396"/>
           </a:xfrm>
           <a:prstGeom prst="line">
@@ -3178,7 +3178,7 @@
         </p:nvCxnSpPr>
         <p:spPr>
           <a:xfrm>
-            <a:off x="5864853" y="3926557"/>
+            <a:off x="5110250" y="3926557"/>
             <a:ext cx="0" cy="188439"/>
           </a:xfrm>
           <a:prstGeom prst="line">
@@ -3213,7 +3213,7 @@
         </p:nvSpPr>
         <p:spPr>
           <a:xfrm>
-            <a:off x="5279212" y="2112163"/>
+            <a:off x="4524609" y="2112163"/>
             <a:ext cx="1171283" cy="461665"/>
           </a:xfrm>
           <a:prstGeom prst="rect">
@@ -3251,7 +3251,7 @@
         </p:nvSpPr>
         <p:spPr>
           <a:xfrm>
-            <a:off x="5279212" y="2802462"/>
+            <a:off x="4524609" y="2802462"/>
             <a:ext cx="1171283" cy="461665"/>
           </a:xfrm>
           <a:prstGeom prst="rect">
@@ -3289,7 +3289,7 @@
         </p:nvSpPr>
         <p:spPr>
           <a:xfrm>
-            <a:off x="5279212" y="3453744"/>
+            <a:off x="4524609" y="3453744"/>
             <a:ext cx="1171283" cy="461665"/>
           </a:xfrm>
           <a:prstGeom prst="rect">
@@ -3327,7 +3327,7 @@
         </p:nvSpPr>
         <p:spPr>
           <a:xfrm>
-            <a:off x="5279212" y="4118281"/>
+            <a:off x="4524609" y="4118281"/>
             <a:ext cx="1171283" cy="461665"/>
           </a:xfrm>
           <a:prstGeom prst="rect">
@@ -3365,7 +3365,7 @@
         </p:nvSpPr>
         <p:spPr>
           <a:xfrm>
-            <a:off x="5185765" y="1434690"/>
+            <a:off x="4431162" y="1434690"/>
             <a:ext cx="1358176" cy="481897"/>
           </a:xfrm>
           <a:prstGeom prst="rect">
@@ -3410,7 +3410,7 @@
         </p:nvSpPr>
         <p:spPr>
           <a:xfrm>
-            <a:off x="5279212" y="1462785"/>
+            <a:off x="4524609" y="1462785"/>
             <a:ext cx="1171283" cy="461665"/>
           </a:xfrm>
           <a:prstGeom prst="rect">
@@ -3429,7 +3429,6 @@
               <a:rPr lang="en-US" sz="1200" smtClean="0"/>
               <a:t>Output Image</a:t>
             </a:r>
-            <a:endParaRPr lang="en-US" sz="1200" smtClean="0"/>
           </a:p>
           <a:p>
             <a:pPr algn="ctr"/>
@@ -3449,7 +3448,7 @@
         </p:nvSpPr>
         <p:spPr>
           <a:xfrm>
-            <a:off x="5185765" y="5445864"/>
+            <a:off x="4431162" y="5445864"/>
             <a:ext cx="1358176" cy="481897"/>
           </a:xfrm>
           <a:prstGeom prst="rect">
@@ -3494,7 +3493,7 @@
         </p:nvSpPr>
         <p:spPr>
           <a:xfrm>
-            <a:off x="5279211" y="5455980"/>
+            <a:off x="4524608" y="5455980"/>
             <a:ext cx="1171283" cy="461665"/>
           </a:xfrm>
           <a:prstGeom prst="rect">
@@ -3510,7 +3509,7 @@
           <a:p>
             <a:pPr algn="ctr"/>
             <a:r>
-              <a:rPr lang="en-US" sz="1200" smtClean="0"/>
+              <a:rPr lang="en-US" sz="1200" dirty="0" smtClean="0"/>
               <a:t>Input Image</a:t>
             </a:r>
           </a:p>
@@ -3518,7 +3517,7 @@
             <a:pPr algn="ctr"/>
             <a:r>
               <a:rPr lang="en-US" sz="1200" dirty="0" smtClean="0"/>
-              <a:t>30x30x128</a:t>
+              <a:t>30x30x512</a:t>
             </a:r>
             <a:endParaRPr lang="en-US" sz="1200" dirty="0"/>
           </a:p>
@@ -3532,7 +3531,7 @@
         </p:nvCxnSpPr>
         <p:spPr>
           <a:xfrm>
-            <a:off x="5864853" y="2586923"/>
+            <a:off x="5110250" y="2586923"/>
             <a:ext cx="1" cy="215539"/>
           </a:xfrm>
           <a:prstGeom prst="line">
@@ -3562,7 +3561,7 @@
         </p:nvCxnSpPr>
         <p:spPr>
           <a:xfrm>
-            <a:off x="5864853" y="1916587"/>
+            <a:off x="5110250" y="1916587"/>
             <a:ext cx="1" cy="195576"/>
           </a:xfrm>
           <a:prstGeom prst="line">
@@ -3623,12 +3622,18 @@
         </p:nvSpPr>
         <p:spPr>
           <a:xfrm>
-            <a:off x="5185765" y="4780430"/>
+            <a:off x="4431162" y="4780430"/>
             <a:ext cx="1358176" cy="481897"/>
           </a:xfrm>
           <a:prstGeom prst="rect">
             <a:avLst/>
           </a:prstGeom>
+          <a:solidFill>
+            <a:schemeClr val="accent4">
+              <a:lumMod val="40000"/>
+              <a:lumOff val="60000"/>
+            </a:schemeClr>
+          </a:solidFill>
         </p:spPr>
         <p:style>
           <a:lnRef idx="2">
@@ -3663,7 +3668,7 @@
         </p:nvSpPr>
         <p:spPr>
           <a:xfrm>
-            <a:off x="5279212" y="4800753"/>
+            <a:off x="4524609" y="4800753"/>
             <a:ext cx="1171283" cy="461665"/>
           </a:xfrm>
           <a:prstGeom prst="rect">
@@ -3704,7 +3709,7 @@
         </p:nvCxnSpPr>
         <p:spPr>
           <a:xfrm flipH="1" flipV="1">
-            <a:off x="5864853" y="4596893"/>
+            <a:off x="5110250" y="4596893"/>
             <a:ext cx="1" cy="203860"/>
           </a:xfrm>
           <a:prstGeom prst="line">
@@ -3742,8 +3747,447 @@
         </p:nvCxnSpPr>
         <p:spPr>
           <a:xfrm flipV="1">
-            <a:off x="5864853" y="5262327"/>
+            <a:off x="5110250" y="5262327"/>
             <a:ext cx="0" cy="183537"/>
+          </a:xfrm>
+          <a:prstGeom prst="line">
+            <a:avLst/>
+          </a:prstGeom>
+          <a:ln w="31750">
+            <a:solidFill>
+              <a:schemeClr val="tx1"/>
+            </a:solidFill>
+          </a:ln>
+        </p:spPr>
+        <p:style>
+          <a:lnRef idx="1">
+            <a:schemeClr val="accent1"/>
+          </a:lnRef>
+          <a:fillRef idx="0">
+            <a:schemeClr val="accent1"/>
+          </a:fillRef>
+          <a:effectRef idx="0">
+            <a:schemeClr val="accent1"/>
+          </a:effectRef>
+          <a:fontRef idx="minor">
+            <a:schemeClr val="tx1"/>
+          </a:fontRef>
+        </p:style>
+      </p:cxnSp>
+      <p:sp>
+        <p:nvSpPr>
+          <p:cNvPr id="25" name="Rectangle 24"/>
+          <p:cNvSpPr/>
+          <p:nvPr/>
+        </p:nvSpPr>
+        <p:spPr>
+          <a:xfrm>
+            <a:off x="6152575" y="4114996"/>
+            <a:ext cx="1358176" cy="481897"/>
+          </a:xfrm>
+          <a:prstGeom prst="rect">
+            <a:avLst/>
+          </a:prstGeom>
+          <a:solidFill>
+            <a:schemeClr val="accent6">
+              <a:lumMod val="60000"/>
+              <a:lumOff val="40000"/>
+            </a:schemeClr>
+          </a:solidFill>
+        </p:spPr>
+        <p:style>
+          <a:lnRef idx="2">
+            <a:schemeClr val="accent1">
+              <a:shade val="50000"/>
+            </a:schemeClr>
+          </a:lnRef>
+          <a:fillRef idx="1">
+            <a:schemeClr val="accent1"/>
+          </a:fillRef>
+          <a:effectRef idx="0">
+            <a:schemeClr val="accent1"/>
+          </a:effectRef>
+          <a:fontRef idx="minor">
+            <a:schemeClr val="lt1"/>
+          </a:fontRef>
+        </p:style>
+        <p:txBody>
+          <a:bodyPr rtlCol="0" anchor="ctr"/>
+          <a:lstStyle/>
+          <a:p>
+            <a:pPr algn="ctr"/>
+            <a:endParaRPr lang="en-US"/>
+          </a:p>
+        </p:txBody>
+      </p:sp>
+      <p:sp>
+        <p:nvSpPr>
+          <p:cNvPr id="26" name="Rectangle 25"/>
+          <p:cNvSpPr/>
+          <p:nvPr/>
+        </p:nvSpPr>
+        <p:spPr>
+          <a:xfrm>
+            <a:off x="6152575" y="3444660"/>
+            <a:ext cx="1358176" cy="481897"/>
+          </a:xfrm>
+          <a:prstGeom prst="rect">
+            <a:avLst/>
+          </a:prstGeom>
+          <a:solidFill>
+            <a:schemeClr val="accent4">
+              <a:lumMod val="60000"/>
+              <a:lumOff val="40000"/>
+            </a:schemeClr>
+          </a:solidFill>
+        </p:spPr>
+        <p:style>
+          <a:lnRef idx="2">
+            <a:schemeClr val="accent1">
+              <a:shade val="50000"/>
+            </a:schemeClr>
+          </a:lnRef>
+          <a:fillRef idx="1">
+            <a:schemeClr val="accent1"/>
+          </a:fillRef>
+          <a:effectRef idx="0">
+            <a:schemeClr val="accent1"/>
+          </a:effectRef>
+          <a:fontRef idx="minor">
+            <a:schemeClr val="lt1"/>
+          </a:fontRef>
+        </p:style>
+        <p:txBody>
+          <a:bodyPr rtlCol="0" anchor="ctr"/>
+          <a:lstStyle/>
+          <a:p>
+            <a:pPr algn="ctr"/>
+            <a:endParaRPr lang="en-US"/>
+          </a:p>
+        </p:txBody>
+      </p:sp>
+      <p:sp>
+        <p:nvSpPr>
+          <p:cNvPr id="28" name="Rectangle 27"/>
+          <p:cNvSpPr/>
+          <p:nvPr/>
+        </p:nvSpPr>
+        <p:spPr>
+          <a:xfrm>
+            <a:off x="6152575" y="2775362"/>
+            <a:ext cx="1358176" cy="480902"/>
+          </a:xfrm>
+          <a:prstGeom prst="rect">
+            <a:avLst/>
+          </a:prstGeom>
+          <a:solidFill>
+            <a:schemeClr val="accent6">
+              <a:lumMod val="60000"/>
+              <a:lumOff val="40000"/>
+            </a:schemeClr>
+          </a:solidFill>
+        </p:spPr>
+        <p:style>
+          <a:lnRef idx="2">
+            <a:schemeClr val="accent1">
+              <a:shade val="50000"/>
+            </a:schemeClr>
+          </a:lnRef>
+          <a:fillRef idx="1">
+            <a:schemeClr val="accent1"/>
+          </a:fillRef>
+          <a:effectRef idx="0">
+            <a:schemeClr val="accent1"/>
+          </a:effectRef>
+          <a:fontRef idx="minor">
+            <a:schemeClr val="lt1"/>
+          </a:fontRef>
+        </p:style>
+        <p:txBody>
+          <a:bodyPr rtlCol="0" anchor="ctr"/>
+          <a:lstStyle/>
+          <a:p>
+            <a:pPr algn="ctr"/>
+            <a:endParaRPr lang="en-US"/>
+          </a:p>
+        </p:txBody>
+      </p:sp>
+      <p:cxnSp>
+        <p:nvCxnSpPr>
+          <p:cNvPr id="30" name="Straight Connector 29"/>
+          <p:cNvCxnSpPr/>
+          <p:nvPr/>
+        </p:nvCxnSpPr>
+        <p:spPr>
+          <a:xfrm>
+            <a:off x="6831663" y="3256264"/>
+            <a:ext cx="0" cy="188396"/>
+          </a:xfrm>
+          <a:prstGeom prst="line">
+            <a:avLst/>
+          </a:prstGeom>
+          <a:ln w="31750">
+            <a:solidFill>
+              <a:schemeClr val="tx1"/>
+            </a:solidFill>
+          </a:ln>
+        </p:spPr>
+        <p:style>
+          <a:lnRef idx="1">
+            <a:schemeClr val="accent1"/>
+          </a:lnRef>
+          <a:fillRef idx="0">
+            <a:schemeClr val="accent1"/>
+          </a:fillRef>
+          <a:effectRef idx="0">
+            <a:schemeClr val="accent1"/>
+          </a:effectRef>
+          <a:fontRef idx="minor">
+            <a:schemeClr val="tx1"/>
+          </a:fontRef>
+        </p:style>
+      </p:cxnSp>
+      <p:cxnSp>
+        <p:nvCxnSpPr>
+          <p:cNvPr id="31" name="Straight Connector 30"/>
+          <p:cNvCxnSpPr/>
+          <p:nvPr/>
+        </p:nvCxnSpPr>
+        <p:spPr>
+          <a:xfrm>
+            <a:off x="6831663" y="3926557"/>
+            <a:ext cx="0" cy="188439"/>
+          </a:xfrm>
+          <a:prstGeom prst="line">
+            <a:avLst/>
+          </a:prstGeom>
+          <a:ln w="31750">
+            <a:solidFill>
+              <a:schemeClr val="tx1"/>
+            </a:solidFill>
+          </a:ln>
+        </p:spPr>
+        <p:style>
+          <a:lnRef idx="1">
+            <a:schemeClr val="accent1"/>
+          </a:lnRef>
+          <a:fillRef idx="0">
+            <a:schemeClr val="accent1"/>
+          </a:fillRef>
+          <a:effectRef idx="0">
+            <a:schemeClr val="accent1"/>
+          </a:effectRef>
+          <a:fontRef idx="minor">
+            <a:schemeClr val="tx1"/>
+          </a:fontRef>
+        </p:style>
+      </p:cxnSp>
+      <p:sp>
+        <p:nvSpPr>
+          <p:cNvPr id="32" name="TextBox 31"/>
+          <p:cNvSpPr txBox="1"/>
+          <p:nvPr/>
+        </p:nvSpPr>
+        <p:spPr>
+          <a:xfrm>
+            <a:off x="6246022" y="2802462"/>
+            <a:ext cx="1171283" cy="461665"/>
+          </a:xfrm>
+          <a:prstGeom prst="rect">
+            <a:avLst/>
+          </a:prstGeom>
+          <a:noFill/>
+        </p:spPr>
+        <p:txBody>
+          <a:bodyPr wrap="square" rtlCol="0">
+            <a:spAutoFit/>
+          </a:bodyPr>
+          <a:lstStyle/>
+          <a:p>
+            <a:pPr algn="ctr"/>
+            <a:r>
+              <a:rPr lang="en-US" sz="1200" dirty="0" smtClean="0"/>
+              <a:t>10 Classes</a:t>
+            </a:r>
+            <a:endParaRPr lang="en-US" sz="1200" dirty="0"/>
+          </a:p>
+          <a:p>
+            <a:pPr algn="ctr"/>
+            <a:r>
+              <a:rPr lang="en-US" sz="1200" dirty="0" smtClean="0"/>
+              <a:t>FC layer</a:t>
+            </a:r>
+          </a:p>
+        </p:txBody>
+      </p:sp>
+      <p:sp>
+        <p:nvSpPr>
+          <p:cNvPr id="33" name="TextBox 32"/>
+          <p:cNvSpPr txBox="1"/>
+          <p:nvPr/>
+        </p:nvSpPr>
+        <p:spPr>
+          <a:xfrm>
+            <a:off x="6246022" y="3453744"/>
+            <a:ext cx="1171283" cy="461665"/>
+          </a:xfrm>
+          <a:prstGeom prst="rect">
+            <a:avLst/>
+          </a:prstGeom>
+          <a:noFill/>
+        </p:spPr>
+        <p:txBody>
+          <a:bodyPr wrap="square" rtlCol="0">
+            <a:spAutoFit/>
+          </a:bodyPr>
+          <a:lstStyle/>
+          <a:p>
+            <a:pPr algn="ctr"/>
+            <a:r>
+              <a:rPr lang="en-US" sz="1200" dirty="0" smtClean="0"/>
+              <a:t>Dropout </a:t>
+            </a:r>
+          </a:p>
+          <a:p>
+            <a:pPr algn="ctr"/>
+            <a:r>
+              <a:rPr lang="en-US" sz="1200" dirty="0" smtClean="0"/>
+              <a:t>p = .5</a:t>
+            </a:r>
+            <a:endParaRPr lang="en-US" sz="1200" dirty="0"/>
+          </a:p>
+        </p:txBody>
+      </p:sp>
+      <p:sp>
+        <p:nvSpPr>
+          <p:cNvPr id="34" name="TextBox 33"/>
+          <p:cNvSpPr txBox="1"/>
+          <p:nvPr/>
+        </p:nvSpPr>
+        <p:spPr>
+          <a:xfrm>
+            <a:off x="6246022" y="4118281"/>
+            <a:ext cx="1171283" cy="461665"/>
+          </a:xfrm>
+          <a:prstGeom prst="rect">
+            <a:avLst/>
+          </a:prstGeom>
+          <a:noFill/>
+        </p:spPr>
+        <p:txBody>
+          <a:bodyPr wrap="square" rtlCol="0">
+            <a:spAutoFit/>
+          </a:bodyPr>
+          <a:lstStyle/>
+          <a:p>
+            <a:pPr algn="ctr"/>
+            <a:r>
+              <a:rPr lang="en-US" sz="1200" dirty="0" smtClean="0"/>
+              <a:t>2048</a:t>
+            </a:r>
+          </a:p>
+          <a:p>
+            <a:pPr algn="ctr"/>
+            <a:r>
+              <a:rPr lang="en-US" sz="1200" dirty="0" smtClean="0"/>
+              <a:t>FC layer</a:t>
+            </a:r>
+          </a:p>
+        </p:txBody>
+      </p:sp>
+      <p:sp>
+        <p:nvSpPr>
+          <p:cNvPr id="35" name="Rectangle 34"/>
+          <p:cNvSpPr/>
+          <p:nvPr/>
+        </p:nvSpPr>
+        <p:spPr>
+          <a:xfrm>
+            <a:off x="6152575" y="4785289"/>
+            <a:ext cx="1358176" cy="481897"/>
+          </a:xfrm>
+          <a:prstGeom prst="rect">
+            <a:avLst/>
+          </a:prstGeom>
+          <a:solidFill>
+            <a:schemeClr val="bg1">
+              <a:lumMod val="85000"/>
+            </a:schemeClr>
+          </a:solidFill>
+        </p:spPr>
+        <p:style>
+          <a:lnRef idx="2">
+            <a:schemeClr val="accent1">
+              <a:shade val="50000"/>
+            </a:schemeClr>
+          </a:lnRef>
+          <a:fillRef idx="1">
+            <a:schemeClr val="accent1"/>
+          </a:fillRef>
+          <a:effectRef idx="0">
+            <a:schemeClr val="accent1"/>
+          </a:effectRef>
+          <a:fontRef idx="minor">
+            <a:schemeClr val="lt1"/>
+          </a:fontRef>
+        </p:style>
+        <p:txBody>
+          <a:bodyPr rtlCol="0" anchor="ctr"/>
+          <a:lstStyle/>
+          <a:p>
+            <a:pPr algn="ctr"/>
+            <a:endParaRPr lang="en-US"/>
+          </a:p>
+        </p:txBody>
+      </p:sp>
+      <p:sp>
+        <p:nvSpPr>
+          <p:cNvPr id="36" name="TextBox 35"/>
+          <p:cNvSpPr txBox="1"/>
+          <p:nvPr/>
+        </p:nvSpPr>
+        <p:spPr>
+          <a:xfrm>
+            <a:off x="6246021" y="4785289"/>
+            <a:ext cx="1171283" cy="461665"/>
+          </a:xfrm>
+          <a:prstGeom prst="rect">
+            <a:avLst/>
+          </a:prstGeom>
+          <a:noFill/>
+        </p:spPr>
+        <p:txBody>
+          <a:bodyPr wrap="square" rtlCol="0">
+            <a:spAutoFit/>
+          </a:bodyPr>
+          <a:lstStyle/>
+          <a:p>
+            <a:pPr algn="ctr"/>
+            <a:r>
+              <a:rPr lang="en-US" sz="1200" dirty="0" smtClean="0"/>
+              <a:t>Input Image</a:t>
+            </a:r>
+          </a:p>
+          <a:p>
+            <a:pPr algn="ctr"/>
+            <a:r>
+              <a:rPr lang="en-US" sz="1200" dirty="0" smtClean="0"/>
+              <a:t>15x15x512</a:t>
+            </a:r>
+            <a:endParaRPr lang="en-US" sz="1200" dirty="0"/>
+          </a:p>
+        </p:txBody>
+      </p:sp>
+      <p:cxnSp>
+        <p:nvCxnSpPr>
+          <p:cNvPr id="37" name="Straight Connector 36"/>
+          <p:cNvCxnSpPr/>
+          <p:nvPr/>
+        </p:nvCxnSpPr>
+        <p:spPr>
+          <a:xfrm>
+            <a:off x="6831663" y="4596893"/>
+            <a:ext cx="0" cy="188396"/>
           </a:xfrm>
           <a:prstGeom prst="line">
             <a:avLst/>
